--- a/11 - Model Interpretability Pt 2/Interpretability part 2.pptx
+++ b/11 - Model Interpretability Pt 2/Interpretability part 2.pptx
@@ -281,8 +281,11 @@
     </a:lvl9pPr>
   </p:defaultTextStyle>
   <p:extLst>
+    <p:ext uri="{EFAFB233-063F-42B5-8137-9DF3F51BA10A}">
+      <p15:sldGuideLst xmlns:p15="http://schemas.microsoft.com/office/powerpoint/2012/main"/>
+    </p:ext>
     <p:ext uri="http://customooxmlschemas.google.com/">
-      <go:slidesCustomData xmlns:go="http://customooxmlschemas.google.com/" xmlns:p15="http://schemas.microsoft.com/office/powerpoint/2012/main" xmlns:p14="http://schemas.microsoft.com/office/powerpoint/2010/main" xmlns:com="http://schemas.openxmlformats.org/drawingml/2006/compatibility" xmlns:pvml="urn:schemas-microsoft-com:office:powerpoint" xmlns:v="urn:schemas-microsoft-com:vml" xmlns:o="urn:schemas-microsoft-com:office:office" xmlns:dgm="http://schemas.openxmlformats.org/drawingml/2006/diagram" xmlns:c="http://schemas.openxmlformats.org/drawingml/2006/chart" xmlns:mv="urn:schemas-microsoft-com:mac:vml" xmlns:mc="http://schemas.openxmlformats.org/markup-compatibility/2006" xmlns="" r:id="rId43" roundtripDataSignature="AMtx7miaBNfqHTds3AtKFboosNv4pOAy4g=="/>
+      <go:slidesCustomData xmlns="" xmlns:mc="http://schemas.openxmlformats.org/markup-compatibility/2006" xmlns:mv="urn:schemas-microsoft-com:mac:vml" xmlns:c="http://schemas.openxmlformats.org/drawingml/2006/chart" xmlns:dgm="http://schemas.openxmlformats.org/drawingml/2006/diagram" xmlns:o="urn:schemas-microsoft-com:office:office" xmlns:v="urn:schemas-microsoft-com:vml" xmlns:pvml="urn:schemas-microsoft-com:office:powerpoint" xmlns:com="http://schemas.openxmlformats.org/drawingml/2006/compatibility" xmlns:p14="http://schemas.microsoft.com/office/powerpoint/2010/main" xmlns:p15="http://schemas.microsoft.com/office/powerpoint/2012/main" xmlns:go="http://customooxmlschemas.google.com/" r:id="rId43" roundtripDataSignature="AMtx7miaBNfqHTds3AtKFboosNv4pOAy4g=="/>
     </p:ext>
   </p:extLst>
 </p:presentation>
@@ -16314,7 +16317,7 @@
 </file>
 
 <file path=ppt/slides/slide10.xml><?xml version="1.0" encoding="utf-8"?>
-<p:sld xmlns:a="http://schemas.openxmlformats.org/drawingml/2006/main" xmlns:r="http://schemas.openxmlformats.org/officeDocument/2006/relationships" xmlns:p="http://schemas.openxmlformats.org/presentationml/2006/main">
+<p:sld xmlns:a="http://schemas.openxmlformats.org/drawingml/2006/main" xmlns:r="http://schemas.openxmlformats.org/officeDocument/2006/relationships" xmlns:p="http://schemas.openxmlformats.org/presentationml/2006/main" show="0">
   <p:cSld>
     <p:spTree>
       <p:nvGrpSpPr>
@@ -16366,7 +16369,7 @@
 </file>
 
 <file path=ppt/slides/slide11.xml><?xml version="1.0" encoding="utf-8"?>
-<p:sld xmlns:a="http://schemas.openxmlformats.org/drawingml/2006/main" xmlns:r="http://schemas.openxmlformats.org/officeDocument/2006/relationships" xmlns:p="http://schemas.openxmlformats.org/presentationml/2006/main">
+<p:sld xmlns:a="http://schemas.openxmlformats.org/drawingml/2006/main" xmlns:r="http://schemas.openxmlformats.org/officeDocument/2006/relationships" xmlns:p="http://schemas.openxmlformats.org/presentationml/2006/main" show="0">
   <p:cSld>
     <p:spTree>
       <p:nvGrpSpPr>
@@ -16568,7 +16571,7 @@
 </file>
 
 <file path=ppt/slides/slide13.xml><?xml version="1.0" encoding="utf-8"?>
-<p:sld xmlns:a="http://schemas.openxmlformats.org/drawingml/2006/main" xmlns:r="http://schemas.openxmlformats.org/officeDocument/2006/relationships" xmlns:p="http://schemas.openxmlformats.org/presentationml/2006/main">
+<p:sld xmlns:a="http://schemas.openxmlformats.org/drawingml/2006/main" xmlns:r="http://schemas.openxmlformats.org/officeDocument/2006/relationships" xmlns:p="http://schemas.openxmlformats.org/presentationml/2006/main" show="0">
   <p:cSld>
     <p:spTree>
       <p:nvGrpSpPr>
@@ -20030,7 +20033,25 @@
               </a:rPr>
               <a:t>update assignment</a:t>
             </a:r>
-            <a:endParaRPr lang="en-US" dirty="0"/>
+            <a:r>
+              <a:rPr lang="en-US" dirty="0"/>
+              <a:t> </a:t>
+            </a:r>
+            <a:br>
+              <a:rPr lang="en-US" dirty="0"/>
+            </a:br>
+            <a:r>
+              <a:rPr lang="en-US" dirty="0"/>
+              <a:t>(model selection, feature </a:t>
+            </a:r>
+            <a:r>
+              <a:rPr lang="en-US" dirty="0" err="1"/>
+              <a:t>importances</a:t>
+            </a:r>
+            <a:r>
+              <a:rPr lang="en-US" dirty="0"/>
+              <a:t>, crosstabs)</a:t>
+            </a:r>
           </a:p>
           <a:p>
             <a:r>
@@ -21830,7 +21851,21 @@
               </a:rPr>
               <a:t>update assignment</a:t>
             </a:r>
-            <a:endParaRPr lang="en-US" dirty="0"/>
+            <a:br>
+              <a:rPr lang="en-US" dirty="0"/>
+            </a:br>
+            <a:r>
+              <a:rPr lang="en-US" dirty="0"/>
+              <a:t>(model selection, feature </a:t>
+            </a:r>
+            <a:r>
+              <a:rPr lang="en-US" dirty="0" err="1"/>
+              <a:t>importances</a:t>
+            </a:r>
+            <a:r>
+              <a:rPr lang="en-US" dirty="0"/>
+              <a:t>, crosstabs)</a:t>
+            </a:r>
           </a:p>
           <a:p>
             <a:r>
@@ -23037,13 +23072,13 @@
               <a:buChar char="●"/>
             </a:pPr>
             <a:r>
-              <a:rPr lang="en-US"/>
+              <a:rPr lang="en-US" dirty="0"/>
               <a:t>Globally Interpretable Models</a:t>
             </a:r>
             <a:br>
-              <a:rPr lang="en-US"/>
+              <a:rPr lang="en-US" dirty="0"/>
             </a:br>
-            <a:endParaRPr/>
+            <a:endParaRPr dirty="0"/>
           </a:p>
           <a:p>
             <a:pPr marL="914400" lvl="1" indent="-349250" algn="l" rtl="0">
@@ -23060,13 +23095,13 @@
               <a:buChar char="○"/>
             </a:pPr>
             <a:r>
-              <a:rPr lang="en-US"/>
+              <a:rPr lang="en-US" dirty="0" err="1"/>
               <a:t>RiskSLIM</a:t>
             </a:r>
             <a:br>
-              <a:rPr lang="en-US"/>
+              <a:rPr lang="en-US" dirty="0"/>
             </a:br>
-            <a:endParaRPr/>
+            <a:endParaRPr dirty="0"/>
           </a:p>
           <a:p>
             <a:pPr marL="914400" lvl="1" indent="-349250" algn="l" rtl="0">
@@ -23083,13 +23118,13 @@
               <a:buChar char="○"/>
             </a:pPr>
             <a:r>
-              <a:rPr lang="en-US"/>
+              <a:rPr lang="en-US" dirty="0"/>
               <a:t>GA²M</a:t>
             </a:r>
             <a:br>
-              <a:rPr lang="en-US"/>
+              <a:rPr lang="en-US" dirty="0"/>
             </a:br>
-            <a:endParaRPr/>
+            <a:endParaRPr dirty="0"/>
           </a:p>
           <a:p>
             <a:pPr marL="457200" lvl="0" indent="-381000" algn="l" rtl="0">
@@ -23106,13 +23141,17 @@
               <a:buChar char="●"/>
             </a:pPr>
             <a:r>
-              <a:rPr lang="en-US"/>
-              <a:t>Methods for Local Explainability</a:t>
+              <a:rPr lang="en-US" dirty="0"/>
+              <a:t>Methods for Local </a:t>
+            </a:r>
+            <a:r>
+              <a:rPr lang="en-US" dirty="0" err="1"/>
+              <a:t>Explainability</a:t>
             </a:r>
             <a:br>
-              <a:rPr lang="en-US"/>
+              <a:rPr lang="en-US" dirty="0"/>
             </a:br>
-            <a:endParaRPr/>
+            <a:endParaRPr dirty="0"/>
           </a:p>
           <a:p>
             <a:pPr marL="914400" lvl="1" indent="-349250" algn="l" rtl="0">
@@ -23129,13 +23168,13 @@
               <a:buChar char="○"/>
             </a:pPr>
             <a:r>
-              <a:rPr lang="en-US"/>
-              <a:t>LIME</a:t>
+              <a:rPr lang="en-US" dirty="0"/>
+              <a:t>SHAP</a:t>
             </a:r>
             <a:br>
-              <a:rPr lang="en-US"/>
+              <a:rPr lang="en-US" dirty="0"/>
             </a:br>
-            <a:endParaRPr/>
+            <a:endParaRPr dirty="0"/>
           </a:p>
           <a:p>
             <a:pPr marL="914400" lvl="1" indent="-349250" algn="l" rtl="0">
@@ -23152,13 +23191,13 @@
               <a:buChar char="○"/>
             </a:pPr>
             <a:r>
-              <a:rPr lang="en-US"/>
-              <a:t>MAPLE</a:t>
+              <a:rPr lang="en-US" dirty="0"/>
+              <a:t>LIME</a:t>
             </a:r>
             <a:br>
-              <a:rPr lang="en-US"/>
+              <a:rPr lang="en-US" dirty="0"/>
             </a:br>
-            <a:endParaRPr/>
+            <a:endParaRPr dirty="0"/>
           </a:p>
           <a:p>
             <a:pPr marL="914400" lvl="1" indent="-349250" algn="l" rtl="0">
@@ -23175,10 +23214,10 @@
               <a:buChar char="○"/>
             </a:pPr>
             <a:r>
-              <a:rPr lang="en-US"/>
-              <a:t>SHAP</a:t>
+              <a:rPr lang="en-US" dirty="0"/>
+              <a:t>MAPLE</a:t>
             </a:r>
-            <a:endParaRPr/>
+            <a:endParaRPr dirty="0"/>
           </a:p>
         </p:txBody>
       </p:sp>
@@ -23397,7 +23436,7 @@
 </file>
 
 <file path=ppt/slides/slide9.xml><?xml version="1.0" encoding="utf-8"?>
-<p:sld xmlns:a="http://schemas.openxmlformats.org/drawingml/2006/main" xmlns:r="http://schemas.openxmlformats.org/officeDocument/2006/relationships" xmlns:p="http://schemas.openxmlformats.org/presentationml/2006/main">
+<p:sld xmlns:a="http://schemas.openxmlformats.org/drawingml/2006/main" xmlns:r="http://schemas.openxmlformats.org/officeDocument/2006/relationships" xmlns:p="http://schemas.openxmlformats.org/presentationml/2006/main" show="0">
   <p:cSld>
     <p:spTree>
       <p:nvGrpSpPr>

--- a/11 - Model Interpretability Pt 2/Interpretability part 2.pptx
+++ b/11 - Model Interpretability Pt 2/Interpretability part 2.pptx
@@ -5,7 +5,7 @@
     <p:sldMasterId id="2147483648" r:id="rId1"/>
   </p:sldMasterIdLst>
   <p:notesMasterIdLst>
-    <p:notesMasterId r:id="rId42"/>
+    <p:notesMasterId r:id="rId43"/>
   </p:notesMasterIdLst>
   <p:sldIdLst>
     <p:sldId id="256" r:id="rId2"/>
@@ -14,40 +14,41 @@
     <p:sldId id="318" r:id="rId5"/>
     <p:sldId id="323" r:id="rId6"/>
     <p:sldId id="258" r:id="rId7"/>
-    <p:sldId id="259" r:id="rId8"/>
-    <p:sldId id="260" r:id="rId9"/>
-    <p:sldId id="261" r:id="rId10"/>
-    <p:sldId id="262" r:id="rId11"/>
-    <p:sldId id="263" r:id="rId12"/>
-    <p:sldId id="264" r:id="rId13"/>
-    <p:sldId id="265" r:id="rId14"/>
-    <p:sldId id="266" r:id="rId15"/>
-    <p:sldId id="267" r:id="rId16"/>
-    <p:sldId id="268" r:id="rId17"/>
-    <p:sldId id="269" r:id="rId18"/>
-    <p:sldId id="270" r:id="rId19"/>
-    <p:sldId id="271" r:id="rId20"/>
-    <p:sldId id="272" r:id="rId21"/>
-    <p:sldId id="273" r:id="rId22"/>
-    <p:sldId id="274" r:id="rId23"/>
-    <p:sldId id="275" r:id="rId24"/>
-    <p:sldId id="276" r:id="rId25"/>
-    <p:sldId id="277" r:id="rId26"/>
-    <p:sldId id="278" r:id="rId27"/>
-    <p:sldId id="279" r:id="rId28"/>
-    <p:sldId id="280" r:id="rId29"/>
-    <p:sldId id="281" r:id="rId30"/>
-    <p:sldId id="282" r:id="rId31"/>
-    <p:sldId id="283" r:id="rId32"/>
-    <p:sldId id="284" r:id="rId33"/>
-    <p:sldId id="285" r:id="rId34"/>
-    <p:sldId id="286" r:id="rId35"/>
-    <p:sldId id="287" r:id="rId36"/>
-    <p:sldId id="288" r:id="rId37"/>
-    <p:sldId id="289" r:id="rId38"/>
-    <p:sldId id="290" r:id="rId39"/>
-    <p:sldId id="291" r:id="rId40"/>
-    <p:sldId id="499" r:id="rId41"/>
+    <p:sldId id="500" r:id="rId8"/>
+    <p:sldId id="259" r:id="rId9"/>
+    <p:sldId id="260" r:id="rId10"/>
+    <p:sldId id="261" r:id="rId11"/>
+    <p:sldId id="262" r:id="rId12"/>
+    <p:sldId id="263" r:id="rId13"/>
+    <p:sldId id="264" r:id="rId14"/>
+    <p:sldId id="265" r:id="rId15"/>
+    <p:sldId id="266" r:id="rId16"/>
+    <p:sldId id="267" r:id="rId17"/>
+    <p:sldId id="268" r:id="rId18"/>
+    <p:sldId id="269" r:id="rId19"/>
+    <p:sldId id="270" r:id="rId20"/>
+    <p:sldId id="271" r:id="rId21"/>
+    <p:sldId id="272" r:id="rId22"/>
+    <p:sldId id="273" r:id="rId23"/>
+    <p:sldId id="274" r:id="rId24"/>
+    <p:sldId id="275" r:id="rId25"/>
+    <p:sldId id="276" r:id="rId26"/>
+    <p:sldId id="277" r:id="rId27"/>
+    <p:sldId id="278" r:id="rId28"/>
+    <p:sldId id="279" r:id="rId29"/>
+    <p:sldId id="280" r:id="rId30"/>
+    <p:sldId id="281" r:id="rId31"/>
+    <p:sldId id="282" r:id="rId32"/>
+    <p:sldId id="283" r:id="rId33"/>
+    <p:sldId id="284" r:id="rId34"/>
+    <p:sldId id="285" r:id="rId35"/>
+    <p:sldId id="286" r:id="rId36"/>
+    <p:sldId id="287" r:id="rId37"/>
+    <p:sldId id="288" r:id="rId38"/>
+    <p:sldId id="289" r:id="rId39"/>
+    <p:sldId id="290" r:id="rId40"/>
+    <p:sldId id="291" r:id="rId41"/>
+    <p:sldId id="499" r:id="rId42"/>
   </p:sldIdLst>
   <p:sldSz cx="12192000" cy="6858000"/>
   <p:notesSz cx="6858000" cy="9144000"/>
@@ -285,7 +286,7 @@
       <p15:sldGuideLst xmlns:p15="http://schemas.microsoft.com/office/powerpoint/2012/main"/>
     </p:ext>
     <p:ext uri="http://customooxmlschemas.google.com/">
-      <go:slidesCustomData xmlns="" xmlns:mc="http://schemas.openxmlformats.org/markup-compatibility/2006" xmlns:mv="urn:schemas-microsoft-com:mac:vml" xmlns:c="http://schemas.openxmlformats.org/drawingml/2006/chart" xmlns:dgm="http://schemas.openxmlformats.org/drawingml/2006/diagram" xmlns:o="urn:schemas-microsoft-com:office:office" xmlns:v="urn:schemas-microsoft-com:vml" xmlns:pvml="urn:schemas-microsoft-com:office:powerpoint" xmlns:com="http://schemas.openxmlformats.org/drawingml/2006/compatibility" xmlns:p14="http://schemas.microsoft.com/office/powerpoint/2010/main" xmlns:p15="http://schemas.microsoft.com/office/powerpoint/2012/main" xmlns:go="http://customooxmlschemas.google.com/" r:id="rId43" roundtripDataSignature="AMtx7miaBNfqHTds3AtKFboosNv4pOAy4g=="/>
+      <go:slidesCustomData xmlns:go="http://customooxmlschemas.google.com/" xmlns:p15="http://schemas.microsoft.com/office/powerpoint/2012/main" xmlns:p14="http://schemas.microsoft.com/office/powerpoint/2010/main" xmlns:com="http://schemas.openxmlformats.org/drawingml/2006/compatibility" xmlns:pvml="urn:schemas-microsoft-com:office:powerpoint" xmlns:v="urn:schemas-microsoft-com:vml" xmlns:o="urn:schemas-microsoft-com:office:office" xmlns:dgm="http://schemas.openxmlformats.org/drawingml/2006/diagram" xmlns:c="http://schemas.openxmlformats.org/drawingml/2006/chart" xmlns:mv="urn:schemas-microsoft-com:mac:vml" xmlns:mc="http://schemas.openxmlformats.org/markup-compatibility/2006" xmlns="" r:id="rId44" roundtripDataSignature="AMtx7miaBNfqHTds3AtKFboosNv4pOAy4g=="/>
     </p:ext>
   </p:extLst>
 </p:presentation>
@@ -16321,6 +16322,206 @@
   <p:cSld>
     <p:spTree>
       <p:nvGrpSpPr>
+        <p:cNvPr id="1" name="Shape 71"/>
+        <p:cNvGrpSpPr/>
+        <p:nvPr/>
+      </p:nvGrpSpPr>
+      <p:grpSpPr>
+        <a:xfrm>
+          <a:off x="0" y="0"/>
+          <a:ext cx="0" cy="0"/>
+          <a:chOff x="0" y="0"/>
+          <a:chExt cx="0" cy="0"/>
+        </a:xfrm>
+      </p:grpSpPr>
+      <p:sp>
+        <p:nvSpPr>
+          <p:cNvPr id="72" name="Google Shape;72;g7f665b14fa_0_1"/>
+          <p:cNvSpPr txBox="1">
+            <a:spLocks noGrp="1"/>
+          </p:cNvSpPr>
+          <p:nvPr>
+            <p:ph type="title"/>
+          </p:nvPr>
+        </p:nvSpPr>
+        <p:spPr>
+          <a:xfrm>
+            <a:off x="415600" y="86563"/>
+            <a:ext cx="11360700" cy="763500"/>
+          </a:xfrm>
+          <a:prstGeom prst="rect">
+            <a:avLst/>
+          </a:prstGeom>
+          <a:noFill/>
+          <a:ln>
+            <a:noFill/>
+          </a:ln>
+        </p:spPr>
+        <p:txBody>
+          <a:bodyPr spcFirstLastPara="1" wrap="square" lIns="121900" tIns="121900" rIns="121900" bIns="121900" anchor="t" anchorCtr="0">
+            <a:noAutofit/>
+          </a:bodyPr>
+          <a:lstStyle/>
+          <a:p>
+            <a:pPr marL="0" lvl="0" indent="0" algn="l" rtl="0">
+              <a:lnSpc>
+                <a:spcPct val="100000"/>
+              </a:lnSpc>
+              <a:spcBef>
+                <a:spcPts val="0"/>
+              </a:spcBef>
+              <a:spcAft>
+                <a:spcPts val="0"/>
+              </a:spcAft>
+              <a:buClr>
+                <a:srgbClr val="FFFFFF"/>
+              </a:buClr>
+              <a:buSzPts val="3700"/>
+              <a:buNone/>
+            </a:pPr>
+            <a:r>
+              <a:rPr lang="en-US"/>
+              <a:t>Generalized Additive Models</a:t>
+            </a:r>
+            <a:endParaRPr/>
+          </a:p>
+        </p:txBody>
+      </p:sp>
+      <p:sp>
+        <p:nvSpPr>
+          <p:cNvPr id="73" name="Google Shape;73;g7f665b14fa_0_1"/>
+          <p:cNvSpPr txBox="1">
+            <a:spLocks noGrp="1"/>
+          </p:cNvSpPr>
+          <p:nvPr>
+            <p:ph type="body" idx="1"/>
+          </p:nvPr>
+        </p:nvSpPr>
+        <p:spPr>
+          <a:xfrm>
+            <a:off x="415600" y="1536633"/>
+            <a:ext cx="11360700" cy="4555200"/>
+          </a:xfrm>
+          <a:prstGeom prst="rect">
+            <a:avLst/>
+          </a:prstGeom>
+          <a:noFill/>
+          <a:ln>
+            <a:noFill/>
+          </a:ln>
+        </p:spPr>
+        <p:txBody>
+          <a:bodyPr spcFirstLastPara="1" wrap="square" lIns="121900" tIns="121900" rIns="121900" bIns="121900" anchor="t" anchorCtr="0">
+            <a:noAutofit/>
+          </a:bodyPr>
+          <a:lstStyle/>
+          <a:p>
+            <a:pPr marL="457200" lvl="0" indent="-419100" algn="l" rtl="0">
+              <a:spcBef>
+                <a:spcPts val="0"/>
+              </a:spcBef>
+              <a:spcAft>
+                <a:spcPts val="0"/>
+              </a:spcAft>
+              <a:buSzPts val="3000"/>
+              <a:buChar char="●"/>
+            </a:pPr>
+            <a:r>
+              <a:rPr lang="en-US" sz="3000"/>
+              <a:t>Motivating Example: Pneumonia Prognosis</a:t>
+            </a:r>
+            <a:br>
+              <a:rPr lang="en-US" sz="3000"/>
+            </a:br>
+            <a:endParaRPr sz="3000"/>
+          </a:p>
+          <a:p>
+            <a:pPr marL="457200" lvl="0" indent="-419100" algn="l" rtl="0">
+              <a:spcBef>
+                <a:spcPts val="0"/>
+              </a:spcBef>
+              <a:spcAft>
+                <a:spcPts val="0"/>
+              </a:spcAft>
+              <a:buSzPts val="3000"/>
+              <a:buChar char="●"/>
+            </a:pPr>
+            <a:r>
+              <a:rPr lang="en-US" sz="3000"/>
+              <a:t>Proposed Method</a:t>
+            </a:r>
+            <a:endParaRPr sz="3000"/>
+          </a:p>
+          <a:p>
+            <a:pPr marL="914400" lvl="1" indent="-419100" algn="l" rtl="0">
+              <a:spcBef>
+                <a:spcPts val="2100"/>
+              </a:spcBef>
+              <a:spcAft>
+                <a:spcPts val="0"/>
+              </a:spcAft>
+              <a:buSzPts val="3000"/>
+              <a:buChar char="○"/>
+            </a:pPr>
+            <a:r>
+              <a:rPr lang="en-US" sz="3000"/>
+              <a:t>What makes these models “interpretable”?</a:t>
+            </a:r>
+            <a:endParaRPr sz="3000"/>
+          </a:p>
+          <a:p>
+            <a:pPr marL="457200" lvl="0" indent="-228600" algn="l" rtl="0">
+              <a:lnSpc>
+                <a:spcPct val="115000"/>
+              </a:lnSpc>
+              <a:spcBef>
+                <a:spcPts val="0"/>
+              </a:spcBef>
+              <a:spcAft>
+                <a:spcPts val="0"/>
+              </a:spcAft>
+              <a:buClr>
+                <a:srgbClr val="434343"/>
+              </a:buClr>
+              <a:buSzPts val="2400"/>
+              <a:buNone/>
+            </a:pPr>
+            <a:endParaRPr/>
+          </a:p>
+          <a:p>
+            <a:pPr marL="457200" lvl="0" indent="-228600" algn="l" rtl="0">
+              <a:lnSpc>
+                <a:spcPct val="115000"/>
+              </a:lnSpc>
+              <a:spcBef>
+                <a:spcPts val="0"/>
+              </a:spcBef>
+              <a:spcAft>
+                <a:spcPts val="0"/>
+              </a:spcAft>
+              <a:buClr>
+                <a:srgbClr val="434343"/>
+              </a:buClr>
+              <a:buSzPts val="2400"/>
+              <a:buNone/>
+            </a:pPr>
+            <a:endParaRPr/>
+          </a:p>
+        </p:txBody>
+      </p:sp>
+    </p:spTree>
+  </p:cSld>
+  <p:clrMapOvr>
+    <a:masterClrMapping/>
+  </p:clrMapOvr>
+</p:sld>
+</file>
+
+<file path=ppt/slides/slide11.xml><?xml version="1.0" encoding="utf-8"?>
+<p:sld xmlns:a="http://schemas.openxmlformats.org/drawingml/2006/main" xmlns:r="http://schemas.openxmlformats.org/officeDocument/2006/relationships" xmlns:p="http://schemas.openxmlformats.org/presentationml/2006/main" show="0">
+  <p:cSld>
+    <p:spTree>
+      <p:nvGrpSpPr>
         <p:cNvPr id="1" name="Shape 77"/>
         <p:cNvGrpSpPr/>
         <p:nvPr/>
@@ -16368,7 +16569,7 @@
 </p:sld>
 </file>
 
-<file path=ppt/slides/slide11.xml><?xml version="1.0" encoding="utf-8"?>
+<file path=ppt/slides/slide12.xml><?xml version="1.0" encoding="utf-8"?>
 <p:sld xmlns:a="http://schemas.openxmlformats.org/drawingml/2006/main" xmlns:r="http://schemas.openxmlformats.org/officeDocument/2006/relationships" xmlns:p="http://schemas.openxmlformats.org/presentationml/2006/main" show="0">
   <p:cSld>
     <p:spTree>
@@ -16420,7 +16621,7 @@
 </p:sld>
 </file>
 
-<file path=ppt/slides/slide12.xml><?xml version="1.0" encoding="utf-8"?>
+<file path=ppt/slides/slide13.xml><?xml version="1.0" encoding="utf-8"?>
 <p:sld xmlns:a="http://schemas.openxmlformats.org/drawingml/2006/main" xmlns:r="http://schemas.openxmlformats.org/officeDocument/2006/relationships" xmlns:p="http://schemas.openxmlformats.org/presentationml/2006/main" show="0">
   <p:cSld>
     <p:spTree>
@@ -16570,7 +16771,7 @@
 </p:sld>
 </file>
 
-<file path=ppt/slides/slide13.xml><?xml version="1.0" encoding="utf-8"?>
+<file path=ppt/slides/slide14.xml><?xml version="1.0" encoding="utf-8"?>
 <p:sld xmlns:a="http://schemas.openxmlformats.org/drawingml/2006/main" xmlns:r="http://schemas.openxmlformats.org/officeDocument/2006/relationships" xmlns:p="http://schemas.openxmlformats.org/presentationml/2006/main" show="0">
   <p:cSld>
     <p:spTree>
@@ -16753,7 +16954,7 @@
 </p:sld>
 </file>
 
-<file path=ppt/slides/slide14.xml><?xml version="1.0" encoding="utf-8"?>
+<file path=ppt/slides/slide15.xml><?xml version="1.0" encoding="utf-8"?>
 <p:sld xmlns:a="http://schemas.openxmlformats.org/drawingml/2006/main" xmlns:r="http://schemas.openxmlformats.org/officeDocument/2006/relationships" xmlns:p="http://schemas.openxmlformats.org/presentationml/2006/main">
   <p:cSld>
     <p:spTree>
@@ -16953,7 +17154,7 @@
 </p:sld>
 </file>
 
-<file path=ppt/slides/slide15.xml><?xml version="1.0" encoding="utf-8"?>
+<file path=ppt/slides/slide16.xml><?xml version="1.0" encoding="utf-8"?>
 <p:sld xmlns:a="http://schemas.openxmlformats.org/drawingml/2006/main" xmlns:r="http://schemas.openxmlformats.org/officeDocument/2006/relationships" xmlns:p="http://schemas.openxmlformats.org/presentationml/2006/main">
   <p:cSld>
     <p:spTree>
@@ -17115,7 +17316,7 @@
 </p:sld>
 </file>
 
-<file path=ppt/slides/slide16.xml><?xml version="1.0" encoding="utf-8"?>
+<file path=ppt/slides/slide17.xml><?xml version="1.0" encoding="utf-8"?>
 <p:sld xmlns:a="http://schemas.openxmlformats.org/drawingml/2006/main" xmlns:r="http://schemas.openxmlformats.org/officeDocument/2006/relationships" xmlns:p="http://schemas.openxmlformats.org/presentationml/2006/main">
   <p:cSld>
     <p:spTree>
@@ -17221,7 +17422,7 @@
 </p:sld>
 </file>
 
-<file path=ppt/slides/slide17.xml><?xml version="1.0" encoding="utf-8"?>
+<file path=ppt/slides/slide18.xml><?xml version="1.0" encoding="utf-8"?>
 <p:sld xmlns:a="http://schemas.openxmlformats.org/drawingml/2006/main" xmlns:r="http://schemas.openxmlformats.org/officeDocument/2006/relationships" xmlns:p="http://schemas.openxmlformats.org/presentationml/2006/main">
   <p:cSld>
     <p:spTree>
@@ -17366,7 +17567,7 @@
 </p:sld>
 </file>
 
-<file path=ppt/slides/slide18.xml><?xml version="1.0" encoding="utf-8"?>
+<file path=ppt/slides/slide19.xml><?xml version="1.0" encoding="utf-8"?>
 <p:sld xmlns:a="http://schemas.openxmlformats.org/drawingml/2006/main" xmlns:r="http://schemas.openxmlformats.org/officeDocument/2006/relationships" xmlns:p="http://schemas.openxmlformats.org/presentationml/2006/main">
   <p:cSld>
     <p:spTree>
@@ -17620,216 +17821,6 @@
               <a:t>Provide an avenue for recourse for people affected by the model (e.g. credit scores)</a:t>
             </a:r>
             <a:endParaRPr sz="2000"/>
-          </a:p>
-        </p:txBody>
-      </p:sp>
-    </p:spTree>
-  </p:cSld>
-  <p:clrMapOvr>
-    <a:masterClrMapping/>
-  </p:clrMapOvr>
-</p:sld>
-</file>
-
-<file path=ppt/slides/slide19.xml><?xml version="1.0" encoding="utf-8"?>
-<p:sld xmlns:a="http://schemas.openxmlformats.org/drawingml/2006/main" xmlns:r="http://schemas.openxmlformats.org/officeDocument/2006/relationships" xmlns:p="http://schemas.openxmlformats.org/presentationml/2006/main">
-  <p:cSld>
-    <p:spTree>
-      <p:nvGrpSpPr>
-        <p:cNvPr id="1" name="Shape 131"/>
-        <p:cNvGrpSpPr/>
-        <p:nvPr/>
-      </p:nvGrpSpPr>
-      <p:grpSpPr>
-        <a:xfrm>
-          <a:off x="0" y="0"/>
-          <a:ext cx="0" cy="0"/>
-          <a:chOff x="0" y="0"/>
-          <a:chExt cx="0" cy="0"/>
-        </a:xfrm>
-      </p:grpSpPr>
-      <p:sp>
-        <p:nvSpPr>
-          <p:cNvPr id="132" name="Google Shape;132;g72639d37ef_1_5"/>
-          <p:cNvSpPr txBox="1">
-            <a:spLocks noGrp="1"/>
-          </p:cNvSpPr>
-          <p:nvPr>
-            <p:ph type="title"/>
-          </p:nvPr>
-        </p:nvSpPr>
-        <p:spPr>
-          <a:xfrm>
-            <a:off x="415600" y="86563"/>
-            <a:ext cx="11360700" cy="763500"/>
-          </a:xfrm>
-          <a:prstGeom prst="rect">
-            <a:avLst/>
-          </a:prstGeom>
-          <a:noFill/>
-          <a:ln>
-            <a:noFill/>
-          </a:ln>
-        </p:spPr>
-        <p:txBody>
-          <a:bodyPr spcFirstLastPara="1" wrap="square" lIns="121900" tIns="121900" rIns="121900" bIns="121900" anchor="t" anchorCtr="0">
-            <a:noAutofit/>
-          </a:bodyPr>
-          <a:lstStyle/>
-          <a:p>
-            <a:pPr marL="0" lvl="0" indent="0" algn="l" rtl="0">
-              <a:lnSpc>
-                <a:spcPct val="100000"/>
-              </a:lnSpc>
-              <a:spcBef>
-                <a:spcPts val="0"/>
-              </a:spcBef>
-              <a:spcAft>
-                <a:spcPts val="0"/>
-              </a:spcAft>
-              <a:buClr>
-                <a:srgbClr val="FFFFFF"/>
-              </a:buClr>
-              <a:buSzPts val="3700"/>
-              <a:buNone/>
-            </a:pPr>
-            <a:r>
-              <a:rPr lang="en-US"/>
-              <a:t>A Few Methods for Local Interpretability</a:t>
-            </a:r>
-            <a:endParaRPr/>
-          </a:p>
-        </p:txBody>
-      </p:sp>
-      <p:sp>
-        <p:nvSpPr>
-          <p:cNvPr id="133" name="Google Shape;133;g72639d37ef_1_5"/>
-          <p:cNvSpPr txBox="1">
-            <a:spLocks noGrp="1"/>
-          </p:cNvSpPr>
-          <p:nvPr>
-            <p:ph type="body" idx="1"/>
-          </p:nvPr>
-        </p:nvSpPr>
-        <p:spPr>
-          <a:xfrm>
-            <a:off x="415600" y="1536624"/>
-            <a:ext cx="11360700" cy="5031600"/>
-          </a:xfrm>
-          <a:prstGeom prst="rect">
-            <a:avLst/>
-          </a:prstGeom>
-          <a:noFill/>
-          <a:ln>
-            <a:noFill/>
-          </a:ln>
-        </p:spPr>
-        <p:txBody>
-          <a:bodyPr spcFirstLastPara="1" wrap="square" lIns="121900" tIns="121900" rIns="121900" bIns="121900" anchor="t" anchorCtr="0">
-            <a:noAutofit/>
-          </a:bodyPr>
-          <a:lstStyle/>
-          <a:p>
-            <a:pPr marL="457200" lvl="0" indent="-381000" algn="l" rtl="0">
-              <a:lnSpc>
-                <a:spcPct val="115000"/>
-              </a:lnSpc>
-              <a:spcBef>
-                <a:spcPts val="0"/>
-              </a:spcBef>
-              <a:spcAft>
-                <a:spcPts val="0"/>
-              </a:spcAft>
-              <a:buSzPts val="2400"/>
-              <a:buChar char="●"/>
-            </a:pPr>
-            <a:r>
-              <a:rPr lang="en-US" b="1"/>
-              <a:t>SHAP Values:</a:t>
-            </a:r>
-            <a:r>
-              <a:rPr lang="en-US"/>
-              <a:t> </a:t>
-            </a:r>
-            <a:r>
-              <a:rPr lang="en-US" i="1"/>
-              <a:t>Explainable machine-learning predictions for the prevention of hypoxaemia during surgery</a:t>
-            </a:r>
-            <a:r>
-              <a:rPr lang="en-US"/>
-              <a:t> by Lundberg, SM, Nair, B, et al. Nature Biomed. Eng. 2018.</a:t>
-            </a:r>
-            <a:br>
-              <a:rPr lang="en-US"/>
-            </a:br>
-            <a:endParaRPr/>
-          </a:p>
-          <a:p>
-            <a:pPr marL="457200" lvl="0" indent="-381000" algn="l" rtl="0">
-              <a:lnSpc>
-                <a:spcPct val="115000"/>
-              </a:lnSpc>
-              <a:spcBef>
-                <a:spcPts val="0"/>
-              </a:spcBef>
-              <a:spcAft>
-                <a:spcPts val="0"/>
-              </a:spcAft>
-              <a:buSzPts val="2400"/>
-              <a:buChar char="●"/>
-            </a:pPr>
-            <a:r>
-              <a:rPr lang="en-US" b="1"/>
-              <a:t>Local Interpretable Model Explanations (LIME):</a:t>
-            </a:r>
-            <a:r>
-              <a:rPr lang="en-US"/>
-              <a:t> </a:t>
-            </a:r>
-            <a:r>
-              <a:rPr lang="en-US" i="1"/>
-              <a:t>Why Should I Trust You? Explaining the Predictions of any Classifier</a:t>
-            </a:r>
-            <a:r>
-              <a:rPr lang="en-US"/>
-              <a:t> by Ribeiro, MT, Singh, S, and Guestring, C. KDD 2016.</a:t>
-            </a:r>
-            <a:br>
-              <a:rPr lang="en-US"/>
-            </a:br>
-            <a:endParaRPr/>
-          </a:p>
-          <a:p>
-            <a:pPr marL="457200" lvl="0" indent="-381000" algn="l" rtl="0">
-              <a:lnSpc>
-                <a:spcPct val="115000"/>
-              </a:lnSpc>
-              <a:spcBef>
-                <a:spcPts val="0"/>
-              </a:spcBef>
-              <a:spcAft>
-                <a:spcPts val="0"/>
-              </a:spcAft>
-              <a:buSzPts val="2400"/>
-              <a:buChar char="●"/>
-            </a:pPr>
-            <a:r>
-              <a:rPr lang="en-US" b="1"/>
-              <a:t>Model Agnostic Supervised Local Explanations (MAPLE):</a:t>
-            </a:r>
-            <a:r>
-              <a:rPr lang="en-US"/>
-              <a:t> </a:t>
-            </a:r>
-            <a:r>
-              <a:rPr lang="en-US" i="1"/>
-              <a:t>Model Agnostic Supervised Local Explanations</a:t>
-            </a:r>
-            <a:r>
-              <a:rPr lang="en-US"/>
-              <a:t> by Plumb, G, Molitor, D, and Talwalkar, AS. NIPS 2018.</a:t>
-            </a:r>
-            <a:endParaRPr/>
           </a:p>
         </p:txBody>
       </p:sp>
@@ -17908,6 +17899,216 @@
 </file>
 
 <file path=ppt/slides/slide20.xml><?xml version="1.0" encoding="utf-8"?>
+<p:sld xmlns:a="http://schemas.openxmlformats.org/drawingml/2006/main" xmlns:r="http://schemas.openxmlformats.org/officeDocument/2006/relationships" xmlns:p="http://schemas.openxmlformats.org/presentationml/2006/main">
+  <p:cSld>
+    <p:spTree>
+      <p:nvGrpSpPr>
+        <p:cNvPr id="1" name="Shape 131"/>
+        <p:cNvGrpSpPr/>
+        <p:nvPr/>
+      </p:nvGrpSpPr>
+      <p:grpSpPr>
+        <a:xfrm>
+          <a:off x="0" y="0"/>
+          <a:ext cx="0" cy="0"/>
+          <a:chOff x="0" y="0"/>
+          <a:chExt cx="0" cy="0"/>
+        </a:xfrm>
+      </p:grpSpPr>
+      <p:sp>
+        <p:nvSpPr>
+          <p:cNvPr id="132" name="Google Shape;132;g72639d37ef_1_5"/>
+          <p:cNvSpPr txBox="1">
+            <a:spLocks noGrp="1"/>
+          </p:cNvSpPr>
+          <p:nvPr>
+            <p:ph type="title"/>
+          </p:nvPr>
+        </p:nvSpPr>
+        <p:spPr>
+          <a:xfrm>
+            <a:off x="415600" y="86563"/>
+            <a:ext cx="11360700" cy="763500"/>
+          </a:xfrm>
+          <a:prstGeom prst="rect">
+            <a:avLst/>
+          </a:prstGeom>
+          <a:noFill/>
+          <a:ln>
+            <a:noFill/>
+          </a:ln>
+        </p:spPr>
+        <p:txBody>
+          <a:bodyPr spcFirstLastPara="1" wrap="square" lIns="121900" tIns="121900" rIns="121900" bIns="121900" anchor="t" anchorCtr="0">
+            <a:noAutofit/>
+          </a:bodyPr>
+          <a:lstStyle/>
+          <a:p>
+            <a:pPr marL="0" lvl="0" indent="0" algn="l" rtl="0">
+              <a:lnSpc>
+                <a:spcPct val="100000"/>
+              </a:lnSpc>
+              <a:spcBef>
+                <a:spcPts val="0"/>
+              </a:spcBef>
+              <a:spcAft>
+                <a:spcPts val="0"/>
+              </a:spcAft>
+              <a:buClr>
+                <a:srgbClr val="FFFFFF"/>
+              </a:buClr>
+              <a:buSzPts val="3700"/>
+              <a:buNone/>
+            </a:pPr>
+            <a:r>
+              <a:rPr lang="en-US"/>
+              <a:t>A Few Methods for Local Interpretability</a:t>
+            </a:r>
+            <a:endParaRPr/>
+          </a:p>
+        </p:txBody>
+      </p:sp>
+      <p:sp>
+        <p:nvSpPr>
+          <p:cNvPr id="133" name="Google Shape;133;g72639d37ef_1_5"/>
+          <p:cNvSpPr txBox="1">
+            <a:spLocks noGrp="1"/>
+          </p:cNvSpPr>
+          <p:nvPr>
+            <p:ph type="body" idx="1"/>
+          </p:nvPr>
+        </p:nvSpPr>
+        <p:spPr>
+          <a:xfrm>
+            <a:off x="415600" y="1536624"/>
+            <a:ext cx="11360700" cy="5031600"/>
+          </a:xfrm>
+          <a:prstGeom prst="rect">
+            <a:avLst/>
+          </a:prstGeom>
+          <a:noFill/>
+          <a:ln>
+            <a:noFill/>
+          </a:ln>
+        </p:spPr>
+        <p:txBody>
+          <a:bodyPr spcFirstLastPara="1" wrap="square" lIns="121900" tIns="121900" rIns="121900" bIns="121900" anchor="t" anchorCtr="0">
+            <a:noAutofit/>
+          </a:bodyPr>
+          <a:lstStyle/>
+          <a:p>
+            <a:pPr marL="457200" lvl="0" indent="-381000" algn="l" rtl="0">
+              <a:lnSpc>
+                <a:spcPct val="115000"/>
+              </a:lnSpc>
+              <a:spcBef>
+                <a:spcPts val="0"/>
+              </a:spcBef>
+              <a:spcAft>
+                <a:spcPts val="0"/>
+              </a:spcAft>
+              <a:buSzPts val="2400"/>
+              <a:buChar char="●"/>
+            </a:pPr>
+            <a:r>
+              <a:rPr lang="en-US" b="1"/>
+              <a:t>SHAP Values:</a:t>
+            </a:r>
+            <a:r>
+              <a:rPr lang="en-US"/>
+              <a:t> </a:t>
+            </a:r>
+            <a:r>
+              <a:rPr lang="en-US" i="1"/>
+              <a:t>Explainable machine-learning predictions for the prevention of hypoxaemia during surgery</a:t>
+            </a:r>
+            <a:r>
+              <a:rPr lang="en-US"/>
+              <a:t> by Lundberg, SM, Nair, B, et al. Nature Biomed. Eng. 2018.</a:t>
+            </a:r>
+            <a:br>
+              <a:rPr lang="en-US"/>
+            </a:br>
+            <a:endParaRPr/>
+          </a:p>
+          <a:p>
+            <a:pPr marL="457200" lvl="0" indent="-381000" algn="l" rtl="0">
+              <a:lnSpc>
+                <a:spcPct val="115000"/>
+              </a:lnSpc>
+              <a:spcBef>
+                <a:spcPts val="0"/>
+              </a:spcBef>
+              <a:spcAft>
+                <a:spcPts val="0"/>
+              </a:spcAft>
+              <a:buSzPts val="2400"/>
+              <a:buChar char="●"/>
+            </a:pPr>
+            <a:r>
+              <a:rPr lang="en-US" b="1"/>
+              <a:t>Local Interpretable Model Explanations (LIME):</a:t>
+            </a:r>
+            <a:r>
+              <a:rPr lang="en-US"/>
+              <a:t> </a:t>
+            </a:r>
+            <a:r>
+              <a:rPr lang="en-US" i="1"/>
+              <a:t>Why Should I Trust You? Explaining the Predictions of any Classifier</a:t>
+            </a:r>
+            <a:r>
+              <a:rPr lang="en-US"/>
+              <a:t> by Ribeiro, MT, Singh, S, and Guestring, C. KDD 2016.</a:t>
+            </a:r>
+            <a:br>
+              <a:rPr lang="en-US"/>
+            </a:br>
+            <a:endParaRPr/>
+          </a:p>
+          <a:p>
+            <a:pPr marL="457200" lvl="0" indent="-381000" algn="l" rtl="0">
+              <a:lnSpc>
+                <a:spcPct val="115000"/>
+              </a:lnSpc>
+              <a:spcBef>
+                <a:spcPts val="0"/>
+              </a:spcBef>
+              <a:spcAft>
+                <a:spcPts val="0"/>
+              </a:spcAft>
+              <a:buSzPts val="2400"/>
+              <a:buChar char="●"/>
+            </a:pPr>
+            <a:r>
+              <a:rPr lang="en-US" b="1"/>
+              <a:t>Model Agnostic Supervised Local Explanations (MAPLE):</a:t>
+            </a:r>
+            <a:r>
+              <a:rPr lang="en-US"/>
+              <a:t> </a:t>
+            </a:r>
+            <a:r>
+              <a:rPr lang="en-US" i="1"/>
+              <a:t>Model Agnostic Supervised Local Explanations</a:t>
+            </a:r>
+            <a:r>
+              <a:rPr lang="en-US"/>
+              <a:t> by Plumb, G, Molitor, D, and Talwalkar, AS. NIPS 2018.</a:t>
+            </a:r>
+            <a:endParaRPr/>
+          </a:p>
+        </p:txBody>
+      </p:sp>
+    </p:spTree>
+  </p:cSld>
+  <p:clrMapOvr>
+    <a:masterClrMapping/>
+  </p:clrMapOvr>
+</p:sld>
+</file>
+
+<file path=ppt/slides/slide21.xml><?xml version="1.0" encoding="utf-8"?>
 <p:sld xmlns:a="http://schemas.openxmlformats.org/drawingml/2006/main" xmlns:r="http://schemas.openxmlformats.org/officeDocument/2006/relationships" xmlns:p="http://schemas.openxmlformats.org/presentationml/2006/main">
   <p:cSld>
     <p:spTree>
@@ -18113,7 +18314,7 @@
 </p:sld>
 </file>
 
-<file path=ppt/slides/slide21.xml><?xml version="1.0" encoding="utf-8"?>
+<file path=ppt/slides/slide22.xml><?xml version="1.0" encoding="utf-8"?>
 <p:sld xmlns:a="http://schemas.openxmlformats.org/drawingml/2006/main" xmlns:r="http://schemas.openxmlformats.org/officeDocument/2006/relationships" xmlns:p="http://schemas.openxmlformats.org/presentationml/2006/main">
   <p:cSld>
     <p:spTree>
@@ -18219,7 +18420,7 @@
 </p:sld>
 </file>
 
-<file path=ppt/slides/slide22.xml><?xml version="1.0" encoding="utf-8"?>
+<file path=ppt/slides/slide23.xml><?xml version="1.0" encoding="utf-8"?>
 <p:sld xmlns:a="http://schemas.openxmlformats.org/drawingml/2006/main" xmlns:r="http://schemas.openxmlformats.org/officeDocument/2006/relationships" xmlns:p="http://schemas.openxmlformats.org/presentationml/2006/main">
   <p:cSld>
     <p:spTree>
@@ -18393,7 +18594,7 @@
 </p:sld>
 </file>
 
-<file path=ppt/slides/slide23.xml><?xml version="1.0" encoding="utf-8"?>
+<file path=ppt/slides/slide24.xml><?xml version="1.0" encoding="utf-8"?>
 <p:sld xmlns:a="http://schemas.openxmlformats.org/drawingml/2006/main" xmlns:r="http://schemas.openxmlformats.org/officeDocument/2006/relationships" xmlns:p="http://schemas.openxmlformats.org/presentationml/2006/main">
   <p:cSld>
     <p:spTree>
@@ -18651,7 +18852,7 @@
 </p:sld>
 </file>
 
-<file path=ppt/slides/slide24.xml><?xml version="1.0" encoding="utf-8"?>
+<file path=ppt/slides/slide25.xml><?xml version="1.0" encoding="utf-8"?>
 <p:sld xmlns:a="http://schemas.openxmlformats.org/drawingml/2006/main" xmlns:r="http://schemas.openxmlformats.org/officeDocument/2006/relationships" xmlns:p="http://schemas.openxmlformats.org/presentationml/2006/main">
   <p:cSld>
     <p:spTree>
@@ -19030,7 +19231,7 @@
 </p:sld>
 </file>
 
-<file path=ppt/slides/slide25.xml><?xml version="1.0" encoding="utf-8"?>
+<file path=ppt/slides/slide26.xml><?xml version="1.0" encoding="utf-8"?>
 <p:sld xmlns:a="http://schemas.openxmlformats.org/drawingml/2006/main" xmlns:r="http://schemas.openxmlformats.org/officeDocument/2006/relationships" xmlns:p="http://schemas.openxmlformats.org/presentationml/2006/main">
   <p:cSld>
     <p:spTree>
@@ -19216,7 +19417,7 @@
 </p:sld>
 </file>
 
-<file path=ppt/slides/slide26.xml><?xml version="1.0" encoding="utf-8"?>
+<file path=ppt/slides/slide27.xml><?xml version="1.0" encoding="utf-8"?>
 <p:sld xmlns:a="http://schemas.openxmlformats.org/drawingml/2006/main" xmlns:r="http://schemas.openxmlformats.org/officeDocument/2006/relationships" xmlns:p="http://schemas.openxmlformats.org/presentationml/2006/main">
   <p:cSld>
     <p:spTree>
@@ -19477,7 +19678,7 @@
 </p:sld>
 </file>
 
-<file path=ppt/slides/slide27.xml><?xml version="1.0" encoding="utf-8"?>
+<file path=ppt/slides/slide28.xml><?xml version="1.0" encoding="utf-8"?>
 <p:sld xmlns:a="http://schemas.openxmlformats.org/drawingml/2006/main" xmlns:r="http://schemas.openxmlformats.org/officeDocument/2006/relationships" xmlns:p="http://schemas.openxmlformats.org/presentationml/2006/main">
   <p:cSld>
     <p:spTree>
@@ -19702,7 +19903,7 @@
 </p:sld>
 </file>
 
-<file path=ppt/slides/slide28.xml><?xml version="1.0" encoding="utf-8"?>
+<file path=ppt/slides/slide29.xml><?xml version="1.0" encoding="utf-8"?>
 <p:sld xmlns:a="http://schemas.openxmlformats.org/drawingml/2006/main" xmlns:r="http://schemas.openxmlformats.org/officeDocument/2006/relationships" xmlns:p="http://schemas.openxmlformats.org/presentationml/2006/main">
   <p:cSld>
     <p:spTree>
@@ -19792,114 +19993,6 @@
           <a:xfrm>
             <a:off x="1401088" y="1193554"/>
             <a:ext cx="9389725" cy="5444775"/>
-          </a:xfrm>
-          <a:prstGeom prst="rect">
-            <a:avLst/>
-          </a:prstGeom>
-          <a:noFill/>
-          <a:ln>
-            <a:noFill/>
-          </a:ln>
-        </p:spPr>
-      </p:pic>
-    </p:spTree>
-  </p:cSld>
-  <p:clrMapOvr>
-    <a:masterClrMapping/>
-  </p:clrMapOvr>
-</p:sld>
-</file>
-
-<file path=ppt/slides/slide29.xml><?xml version="1.0" encoding="utf-8"?>
-<p:sld xmlns:a="http://schemas.openxmlformats.org/drawingml/2006/main" xmlns:r="http://schemas.openxmlformats.org/officeDocument/2006/relationships" xmlns:p="http://schemas.openxmlformats.org/presentationml/2006/main">
-  <p:cSld>
-    <p:spTree>
-      <p:nvGrpSpPr>
-        <p:cNvPr id="1" name="Shape 207"/>
-        <p:cNvGrpSpPr/>
-        <p:nvPr/>
-      </p:nvGrpSpPr>
-      <p:grpSpPr>
-        <a:xfrm>
-          <a:off x="0" y="0"/>
-          <a:ext cx="0" cy="0"/>
-          <a:chOff x="0" y="0"/>
-          <a:chExt cx="0" cy="0"/>
-        </a:xfrm>
-      </p:grpSpPr>
-      <p:sp>
-        <p:nvSpPr>
-          <p:cNvPr id="208" name="Google Shape;208;g72639d37ef_1_26"/>
-          <p:cNvSpPr txBox="1">
-            <a:spLocks noGrp="1"/>
-          </p:cNvSpPr>
-          <p:nvPr>
-            <p:ph type="title"/>
-          </p:nvPr>
-        </p:nvSpPr>
-        <p:spPr>
-          <a:xfrm>
-            <a:off x="415600" y="86563"/>
-            <a:ext cx="11360700" cy="763500"/>
-          </a:xfrm>
-          <a:prstGeom prst="rect">
-            <a:avLst/>
-          </a:prstGeom>
-          <a:noFill/>
-          <a:ln>
-            <a:noFill/>
-          </a:ln>
-        </p:spPr>
-        <p:txBody>
-          <a:bodyPr spcFirstLastPara="1" wrap="square" lIns="121900" tIns="121900" rIns="121900" bIns="121900" anchor="t" anchorCtr="0">
-            <a:noAutofit/>
-          </a:bodyPr>
-          <a:lstStyle/>
-          <a:p>
-            <a:pPr marL="0" lvl="0" indent="0" algn="l" rtl="0">
-              <a:spcBef>
-                <a:spcPts val="0"/>
-              </a:spcBef>
-              <a:spcAft>
-                <a:spcPts val="0"/>
-              </a:spcAft>
-              <a:buClr>
-                <a:schemeClr val="lt1"/>
-              </a:buClr>
-              <a:buSzPts val="3700"/>
-              <a:buFont typeface="Arial"/>
-              <a:buNone/>
-            </a:pPr>
-            <a:r>
-              <a:rPr lang="en-US">
-                <a:solidFill>
-                  <a:schemeClr val="lt1"/>
-                </a:solidFill>
-              </a:rPr>
-              <a:t>SHAP Values</a:t>
-            </a:r>
-            <a:endParaRPr/>
-          </a:p>
-        </p:txBody>
-      </p:sp>
-      <p:pic>
-        <p:nvPicPr>
-          <p:cNvPr id="209" name="Google Shape;209;g72639d37ef_1_26"/>
-          <p:cNvPicPr preferRelativeResize="0"/>
-          <p:nvPr/>
-        </p:nvPicPr>
-        <p:blipFill>
-          <a:blip r:embed="rId3">
-            <a:alphaModFix/>
-          </a:blip>
-          <a:stretch>
-            <a:fillRect/>
-          </a:stretch>
-        </p:blipFill>
-        <p:spPr>
-          <a:xfrm>
-            <a:off x="585750" y="1499334"/>
-            <a:ext cx="11020400" cy="4896050"/>
           </a:xfrm>
           <a:prstGeom prst="rect">
             <a:avLst/>
@@ -20079,6 +20172,114 @@
   <p:cSld>
     <p:spTree>
       <p:nvGrpSpPr>
+        <p:cNvPr id="1" name="Shape 207"/>
+        <p:cNvGrpSpPr/>
+        <p:nvPr/>
+      </p:nvGrpSpPr>
+      <p:grpSpPr>
+        <a:xfrm>
+          <a:off x="0" y="0"/>
+          <a:ext cx="0" cy="0"/>
+          <a:chOff x="0" y="0"/>
+          <a:chExt cx="0" cy="0"/>
+        </a:xfrm>
+      </p:grpSpPr>
+      <p:sp>
+        <p:nvSpPr>
+          <p:cNvPr id="208" name="Google Shape;208;g72639d37ef_1_26"/>
+          <p:cNvSpPr txBox="1">
+            <a:spLocks noGrp="1"/>
+          </p:cNvSpPr>
+          <p:nvPr>
+            <p:ph type="title"/>
+          </p:nvPr>
+        </p:nvSpPr>
+        <p:spPr>
+          <a:xfrm>
+            <a:off x="415600" y="86563"/>
+            <a:ext cx="11360700" cy="763500"/>
+          </a:xfrm>
+          <a:prstGeom prst="rect">
+            <a:avLst/>
+          </a:prstGeom>
+          <a:noFill/>
+          <a:ln>
+            <a:noFill/>
+          </a:ln>
+        </p:spPr>
+        <p:txBody>
+          <a:bodyPr spcFirstLastPara="1" wrap="square" lIns="121900" tIns="121900" rIns="121900" bIns="121900" anchor="t" anchorCtr="0">
+            <a:noAutofit/>
+          </a:bodyPr>
+          <a:lstStyle/>
+          <a:p>
+            <a:pPr marL="0" lvl="0" indent="0" algn="l" rtl="0">
+              <a:spcBef>
+                <a:spcPts val="0"/>
+              </a:spcBef>
+              <a:spcAft>
+                <a:spcPts val="0"/>
+              </a:spcAft>
+              <a:buClr>
+                <a:schemeClr val="lt1"/>
+              </a:buClr>
+              <a:buSzPts val="3700"/>
+              <a:buFont typeface="Arial"/>
+              <a:buNone/>
+            </a:pPr>
+            <a:r>
+              <a:rPr lang="en-US">
+                <a:solidFill>
+                  <a:schemeClr val="lt1"/>
+                </a:solidFill>
+              </a:rPr>
+              <a:t>SHAP Values</a:t>
+            </a:r>
+            <a:endParaRPr/>
+          </a:p>
+        </p:txBody>
+      </p:sp>
+      <p:pic>
+        <p:nvPicPr>
+          <p:cNvPr id="209" name="Google Shape;209;g72639d37ef_1_26"/>
+          <p:cNvPicPr preferRelativeResize="0"/>
+          <p:nvPr/>
+        </p:nvPicPr>
+        <p:blipFill>
+          <a:blip r:embed="rId3">
+            <a:alphaModFix/>
+          </a:blip>
+          <a:stretch>
+            <a:fillRect/>
+          </a:stretch>
+        </p:blipFill>
+        <p:spPr>
+          <a:xfrm>
+            <a:off x="585750" y="1499334"/>
+            <a:ext cx="11020400" cy="4896050"/>
+          </a:xfrm>
+          <a:prstGeom prst="rect">
+            <a:avLst/>
+          </a:prstGeom>
+          <a:noFill/>
+          <a:ln>
+            <a:noFill/>
+          </a:ln>
+        </p:spPr>
+      </p:pic>
+    </p:spTree>
+  </p:cSld>
+  <p:clrMapOvr>
+    <a:masterClrMapping/>
+  </p:clrMapOvr>
+</p:sld>
+</file>
+
+<file path=ppt/slides/slide31.xml><?xml version="1.0" encoding="utf-8"?>
+<p:sld xmlns:a="http://schemas.openxmlformats.org/drawingml/2006/main" xmlns:r="http://schemas.openxmlformats.org/officeDocument/2006/relationships" xmlns:p="http://schemas.openxmlformats.org/presentationml/2006/main">
+  <p:cSld>
+    <p:spTree>
+      <p:nvGrpSpPr>
         <p:cNvPr id="1" name="Shape 213"/>
         <p:cNvGrpSpPr/>
         <p:nvPr/>
@@ -20241,7 +20442,7 @@
 </p:sld>
 </file>
 
-<file path=ppt/slides/slide31.xml><?xml version="1.0" encoding="utf-8"?>
+<file path=ppt/slides/slide32.xml><?xml version="1.0" encoding="utf-8"?>
 <p:sld xmlns:a="http://schemas.openxmlformats.org/drawingml/2006/main" xmlns:r="http://schemas.openxmlformats.org/officeDocument/2006/relationships" xmlns:p="http://schemas.openxmlformats.org/presentationml/2006/main">
   <p:cSld>
     <p:spTree>
@@ -20458,7 +20659,7 @@
 </p:sld>
 </file>
 
-<file path=ppt/slides/slide32.xml><?xml version="1.0" encoding="utf-8"?>
+<file path=ppt/slides/slide33.xml><?xml version="1.0" encoding="utf-8"?>
 <p:sld xmlns:a="http://schemas.openxmlformats.org/drawingml/2006/main" xmlns:r="http://schemas.openxmlformats.org/officeDocument/2006/relationships" xmlns:p="http://schemas.openxmlformats.org/presentationml/2006/main">
   <p:cSld>
     <p:spTree>
@@ -20565,7 +20766,7 @@
 </p:sld>
 </file>
 
-<file path=ppt/slides/slide33.xml><?xml version="1.0" encoding="utf-8"?>
+<file path=ppt/slides/slide34.xml><?xml version="1.0" encoding="utf-8"?>
 <p:sld xmlns:a="http://schemas.openxmlformats.org/drawingml/2006/main" xmlns:r="http://schemas.openxmlformats.org/officeDocument/2006/relationships" xmlns:p="http://schemas.openxmlformats.org/presentationml/2006/main">
   <p:cSld>
     <p:spTree>
@@ -20672,7 +20873,7 @@
 </p:sld>
 </file>
 
-<file path=ppt/slides/slide34.xml><?xml version="1.0" encoding="utf-8"?>
+<file path=ppt/slides/slide35.xml><?xml version="1.0" encoding="utf-8"?>
 <p:sld xmlns:a="http://schemas.openxmlformats.org/drawingml/2006/main" xmlns:r="http://schemas.openxmlformats.org/officeDocument/2006/relationships" xmlns:p="http://schemas.openxmlformats.org/presentationml/2006/main">
   <p:cSld>
     <p:spTree>
@@ -20879,7 +21080,7 @@
 </p:sld>
 </file>
 
-<file path=ppt/slides/slide35.xml><?xml version="1.0" encoding="utf-8"?>
+<file path=ppt/slides/slide36.xml><?xml version="1.0" encoding="utf-8"?>
 <p:sld xmlns:a="http://schemas.openxmlformats.org/drawingml/2006/main" xmlns:r="http://schemas.openxmlformats.org/officeDocument/2006/relationships" xmlns:p="http://schemas.openxmlformats.org/presentationml/2006/main">
   <p:cSld>
     <p:spTree>
@@ -21154,7 +21355,7 @@
 </p:sld>
 </file>
 
-<file path=ppt/slides/slide36.xml><?xml version="1.0" encoding="utf-8"?>
+<file path=ppt/slides/slide37.xml><?xml version="1.0" encoding="utf-8"?>
 <p:sld xmlns:a="http://schemas.openxmlformats.org/drawingml/2006/main" xmlns:r="http://schemas.openxmlformats.org/officeDocument/2006/relationships" xmlns:p="http://schemas.openxmlformats.org/presentationml/2006/main">
   <p:cSld>
     <p:spTree>
@@ -21261,7 +21462,7 @@
 </p:sld>
 </file>
 
-<file path=ppt/slides/slide37.xml><?xml version="1.0" encoding="utf-8"?>
+<file path=ppt/slides/slide38.xml><?xml version="1.0" encoding="utf-8"?>
 <p:sld xmlns:a="http://schemas.openxmlformats.org/drawingml/2006/main" xmlns:r="http://schemas.openxmlformats.org/officeDocument/2006/relationships" xmlns:p="http://schemas.openxmlformats.org/presentationml/2006/main">
   <p:cSld>
     <p:spTree>
@@ -21368,7 +21569,7 @@
 </p:sld>
 </file>
 
-<file path=ppt/slides/slide38.xml><?xml version="1.0" encoding="utf-8"?>
+<file path=ppt/slides/slide39.xml><?xml version="1.0" encoding="utf-8"?>
 <p:sld xmlns:a="http://schemas.openxmlformats.org/drawingml/2006/main" xmlns:r="http://schemas.openxmlformats.org/officeDocument/2006/relationships" xmlns:p="http://schemas.openxmlformats.org/presentationml/2006/main">
   <p:cSld>
     <p:spTree>
@@ -21467,152 +21668,6 @@
           </a:ln>
         </p:spPr>
       </p:pic>
-    </p:spTree>
-  </p:cSld>
-  <p:clrMapOvr>
-    <a:masterClrMapping/>
-  </p:clrMapOvr>
-</p:sld>
-</file>
-
-<file path=ppt/slides/slide39.xml><?xml version="1.0" encoding="utf-8"?>
-<p:sld xmlns:a="http://schemas.openxmlformats.org/drawingml/2006/main" xmlns:r="http://schemas.openxmlformats.org/officeDocument/2006/relationships" xmlns:p="http://schemas.openxmlformats.org/presentationml/2006/main">
-  <p:cSld>
-    <p:spTree>
-      <p:nvGrpSpPr>
-        <p:cNvPr id="1" name="Shape 273"/>
-        <p:cNvGrpSpPr/>
-        <p:nvPr/>
-      </p:nvGrpSpPr>
-      <p:grpSpPr>
-        <a:xfrm>
-          <a:off x="0" y="0"/>
-          <a:ext cx="0" cy="0"/>
-          <a:chOff x="0" y="0"/>
-          <a:chExt cx="0" cy="0"/>
-        </a:xfrm>
-      </p:grpSpPr>
-      <p:sp>
-        <p:nvSpPr>
-          <p:cNvPr id="274" name="Google Shape;274;g72639d37ef_1_127"/>
-          <p:cNvSpPr txBox="1">
-            <a:spLocks noGrp="1"/>
-          </p:cNvSpPr>
-          <p:nvPr>
-            <p:ph type="title"/>
-          </p:nvPr>
-        </p:nvSpPr>
-        <p:spPr>
-          <a:xfrm>
-            <a:off x="415600" y="86563"/>
-            <a:ext cx="11360700" cy="763500"/>
-          </a:xfrm>
-          <a:prstGeom prst="rect">
-            <a:avLst/>
-          </a:prstGeom>
-          <a:noFill/>
-          <a:ln>
-            <a:noFill/>
-          </a:ln>
-        </p:spPr>
-        <p:txBody>
-          <a:bodyPr spcFirstLastPara="1" wrap="square" lIns="121900" tIns="121900" rIns="121900" bIns="121900" anchor="t" anchorCtr="0">
-            <a:noAutofit/>
-          </a:bodyPr>
-          <a:lstStyle/>
-          <a:p>
-            <a:pPr marL="0" lvl="0" indent="0" algn="l" rtl="0">
-              <a:spcBef>
-                <a:spcPts val="0"/>
-              </a:spcBef>
-              <a:spcAft>
-                <a:spcPts val="0"/>
-              </a:spcAft>
-              <a:buClr>
-                <a:schemeClr val="lt1"/>
-              </a:buClr>
-              <a:buSzPts val="3700"/>
-              <a:buNone/>
-            </a:pPr>
-            <a:r>
-              <a:rPr lang="en-US">
-                <a:solidFill>
-                  <a:schemeClr val="lt1"/>
-                </a:solidFill>
-              </a:rPr>
-              <a:t>LIME</a:t>
-            </a:r>
-            <a:endParaRPr/>
-          </a:p>
-        </p:txBody>
-      </p:sp>
-      <p:sp>
-        <p:nvSpPr>
-          <p:cNvPr id="275" name="Google Shape;275;g72639d37ef_1_127"/>
-          <p:cNvSpPr txBox="1">
-            <a:spLocks noGrp="1"/>
-          </p:cNvSpPr>
-          <p:nvPr>
-            <p:ph type="body" idx="1"/>
-          </p:nvPr>
-        </p:nvSpPr>
-        <p:spPr>
-          <a:xfrm>
-            <a:off x="415600" y="1536633"/>
-            <a:ext cx="11360700" cy="4555200"/>
-          </a:xfrm>
-          <a:prstGeom prst="rect">
-            <a:avLst/>
-          </a:prstGeom>
-          <a:noFill/>
-          <a:ln>
-            <a:noFill/>
-          </a:ln>
-        </p:spPr>
-        <p:txBody>
-          <a:bodyPr spcFirstLastPara="1" wrap="square" lIns="121900" tIns="121900" rIns="121900" bIns="121900" anchor="t" anchorCtr="0">
-            <a:noAutofit/>
-          </a:bodyPr>
-          <a:lstStyle/>
-          <a:p>
-            <a:pPr marL="457200" lvl="0" indent="-419100" algn="l" rtl="0">
-              <a:spcBef>
-                <a:spcPts val="0"/>
-              </a:spcBef>
-              <a:spcAft>
-                <a:spcPts val="0"/>
-              </a:spcAft>
-              <a:buSzPts val="3000"/>
-              <a:buChar char="●"/>
-            </a:pPr>
-            <a:r>
-              <a:rPr lang="en-US" sz="3000"/>
-              <a:t>Assumptions and Potential Limitations?</a:t>
-            </a:r>
-            <a:br>
-              <a:rPr lang="en-US" sz="3000"/>
-            </a:br>
-            <a:endParaRPr sz="3000"/>
-          </a:p>
-          <a:p>
-            <a:pPr marL="457200" lvl="0" indent="-419100" algn="l" rtl="0">
-              <a:spcBef>
-                <a:spcPts val="0"/>
-              </a:spcBef>
-              <a:spcAft>
-                <a:spcPts val="0"/>
-              </a:spcAft>
-              <a:buSzPts val="3000"/>
-              <a:buChar char="●"/>
-            </a:pPr>
-            <a:r>
-              <a:rPr lang="en-US" sz="3000"/>
-              <a:t>Pros and cons in application to your project?</a:t>
-            </a:r>
-            <a:endParaRPr sz="3000"/>
-          </a:p>
-        </p:txBody>
-      </p:sp>
     </p:spTree>
   </p:cSld>
   <p:clrMapOvr>
@@ -21695,22 +21750,34 @@
           <a:p>
             <a:pPr lvl="1"/>
             <a:r>
+              <a:rPr lang="en-US" b="1" dirty="0"/>
+              <a:t>Models</a:t>
+            </a:r>
+            <a:r>
               <a:rPr lang="en-US" dirty="0"/>
-              <a:t>Finalized model grid and features</a:t>
+              <a:t>: Finalized model grid and features</a:t>
             </a:r>
           </a:p>
           <a:p>
             <a:pPr lvl="1"/>
             <a:r>
+              <a:rPr lang="en-US" b="1" dirty="0"/>
+              <a:t>Model selection</a:t>
+            </a:r>
+            <a:r>
               <a:rPr lang="en-US" dirty="0"/>
-              <a:t>Model selection</a:t>
+              <a:t>: Use the temporal validation sets to select “best” model(s)</a:t>
             </a:r>
           </a:p>
           <a:p>
             <a:pPr lvl="1"/>
             <a:r>
+              <a:rPr lang="en-US" b="1" dirty="0"/>
+              <a:t>Interpretability</a:t>
+            </a:r>
+            <a:r>
               <a:rPr lang="en-US" dirty="0"/>
-              <a:t>Feature </a:t>
+              <a:t>: Feature </a:t>
             </a:r>
             <a:r>
               <a:rPr lang="en-US" dirty="0" err="1"/>
@@ -21718,7 +21785,7 @@
             </a:r>
             <a:r>
               <a:rPr lang="en-US" dirty="0"/>
-              <a:t> and crosstabs</a:t>
+              <a:t> and crosstabs (on top k versus the population)</a:t>
             </a:r>
           </a:p>
         </p:txBody>
@@ -21737,6 +21804,152 @@
 </file>
 
 <file path=ppt/slides/slide40.xml><?xml version="1.0" encoding="utf-8"?>
+<p:sld xmlns:a="http://schemas.openxmlformats.org/drawingml/2006/main" xmlns:r="http://schemas.openxmlformats.org/officeDocument/2006/relationships" xmlns:p="http://schemas.openxmlformats.org/presentationml/2006/main">
+  <p:cSld>
+    <p:spTree>
+      <p:nvGrpSpPr>
+        <p:cNvPr id="1" name="Shape 273"/>
+        <p:cNvGrpSpPr/>
+        <p:nvPr/>
+      </p:nvGrpSpPr>
+      <p:grpSpPr>
+        <a:xfrm>
+          <a:off x="0" y="0"/>
+          <a:ext cx="0" cy="0"/>
+          <a:chOff x="0" y="0"/>
+          <a:chExt cx="0" cy="0"/>
+        </a:xfrm>
+      </p:grpSpPr>
+      <p:sp>
+        <p:nvSpPr>
+          <p:cNvPr id="274" name="Google Shape;274;g72639d37ef_1_127"/>
+          <p:cNvSpPr txBox="1">
+            <a:spLocks noGrp="1"/>
+          </p:cNvSpPr>
+          <p:nvPr>
+            <p:ph type="title"/>
+          </p:nvPr>
+        </p:nvSpPr>
+        <p:spPr>
+          <a:xfrm>
+            <a:off x="415600" y="86563"/>
+            <a:ext cx="11360700" cy="763500"/>
+          </a:xfrm>
+          <a:prstGeom prst="rect">
+            <a:avLst/>
+          </a:prstGeom>
+          <a:noFill/>
+          <a:ln>
+            <a:noFill/>
+          </a:ln>
+        </p:spPr>
+        <p:txBody>
+          <a:bodyPr spcFirstLastPara="1" wrap="square" lIns="121900" tIns="121900" rIns="121900" bIns="121900" anchor="t" anchorCtr="0">
+            <a:noAutofit/>
+          </a:bodyPr>
+          <a:lstStyle/>
+          <a:p>
+            <a:pPr marL="0" lvl="0" indent="0" algn="l" rtl="0">
+              <a:spcBef>
+                <a:spcPts val="0"/>
+              </a:spcBef>
+              <a:spcAft>
+                <a:spcPts val="0"/>
+              </a:spcAft>
+              <a:buClr>
+                <a:schemeClr val="lt1"/>
+              </a:buClr>
+              <a:buSzPts val="3700"/>
+              <a:buNone/>
+            </a:pPr>
+            <a:r>
+              <a:rPr lang="en-US">
+                <a:solidFill>
+                  <a:schemeClr val="lt1"/>
+                </a:solidFill>
+              </a:rPr>
+              <a:t>LIME</a:t>
+            </a:r>
+            <a:endParaRPr/>
+          </a:p>
+        </p:txBody>
+      </p:sp>
+      <p:sp>
+        <p:nvSpPr>
+          <p:cNvPr id="275" name="Google Shape;275;g72639d37ef_1_127"/>
+          <p:cNvSpPr txBox="1">
+            <a:spLocks noGrp="1"/>
+          </p:cNvSpPr>
+          <p:nvPr>
+            <p:ph type="body" idx="1"/>
+          </p:nvPr>
+        </p:nvSpPr>
+        <p:spPr>
+          <a:xfrm>
+            <a:off x="415600" y="1536633"/>
+            <a:ext cx="11360700" cy="4555200"/>
+          </a:xfrm>
+          <a:prstGeom prst="rect">
+            <a:avLst/>
+          </a:prstGeom>
+          <a:noFill/>
+          <a:ln>
+            <a:noFill/>
+          </a:ln>
+        </p:spPr>
+        <p:txBody>
+          <a:bodyPr spcFirstLastPara="1" wrap="square" lIns="121900" tIns="121900" rIns="121900" bIns="121900" anchor="t" anchorCtr="0">
+            <a:noAutofit/>
+          </a:bodyPr>
+          <a:lstStyle/>
+          <a:p>
+            <a:pPr marL="457200" lvl="0" indent="-419100" algn="l" rtl="0">
+              <a:spcBef>
+                <a:spcPts val="0"/>
+              </a:spcBef>
+              <a:spcAft>
+                <a:spcPts val="0"/>
+              </a:spcAft>
+              <a:buSzPts val="3000"/>
+              <a:buChar char="●"/>
+            </a:pPr>
+            <a:r>
+              <a:rPr lang="en-US" sz="3000"/>
+              <a:t>Assumptions and Potential Limitations?</a:t>
+            </a:r>
+            <a:br>
+              <a:rPr lang="en-US" sz="3000"/>
+            </a:br>
+            <a:endParaRPr sz="3000"/>
+          </a:p>
+          <a:p>
+            <a:pPr marL="457200" lvl="0" indent="-419100" algn="l" rtl="0">
+              <a:spcBef>
+                <a:spcPts val="0"/>
+              </a:spcBef>
+              <a:spcAft>
+                <a:spcPts val="0"/>
+              </a:spcAft>
+              <a:buSzPts val="3000"/>
+              <a:buChar char="●"/>
+            </a:pPr>
+            <a:r>
+              <a:rPr lang="en-US" sz="3000"/>
+              <a:t>Pros and cons in application to your project?</a:t>
+            </a:r>
+            <a:endParaRPr sz="3000"/>
+          </a:p>
+        </p:txBody>
+      </p:sp>
+    </p:spTree>
+  </p:cSld>
+  <p:clrMapOvr>
+    <a:masterClrMapping/>
+  </p:clrMapOvr>
+</p:sld>
+</file>
+
+<file path=ppt/slides/slide41.xml><?xml version="1.0" encoding="utf-8"?>
 <p:sld xmlns:a="http://schemas.openxmlformats.org/drawingml/2006/main" xmlns:r="http://schemas.openxmlformats.org/officeDocument/2006/relationships" xmlns:p="http://schemas.openxmlformats.org/presentationml/2006/main">
   <p:cSld>
     <p:spTree>
@@ -21870,7 +22083,7 @@
           <a:p>
             <a:r>
               <a:rPr lang="en-US" dirty="0"/>
-              <a:t>Readings for Tuesday: algorithmic bias and fairness</a:t>
+              <a:t>Readings for Tuesday: bias and fairness</a:t>
             </a:r>
           </a:p>
         </p:txBody>
@@ -22961,6 +23174,120 @@
   <p:cSld>
     <p:spTree>
       <p:nvGrpSpPr>
+        <p:cNvPr id="1" name=""/>
+        <p:cNvGrpSpPr/>
+        <p:nvPr/>
+      </p:nvGrpSpPr>
+      <p:grpSpPr>
+        <a:xfrm>
+          <a:off x="0" y="0"/>
+          <a:ext cx="0" cy="0"/>
+          <a:chOff x="0" y="0"/>
+          <a:chExt cx="0" cy="0"/>
+        </a:xfrm>
+      </p:grpSpPr>
+      <p:sp>
+        <p:nvSpPr>
+          <p:cNvPr id="2" name="Title 1">
+            <a:extLst>
+              <a:ext uri="{FF2B5EF4-FFF2-40B4-BE49-F238E27FC236}">
+                <a16:creationId xmlns:a16="http://schemas.microsoft.com/office/drawing/2014/main" id="{86B7916E-F132-C141-B0CF-42776AA8DFBD}"/>
+              </a:ext>
+            </a:extLst>
+          </p:cNvPr>
+          <p:cNvSpPr>
+            <a:spLocks noGrp="1"/>
+          </p:cNvSpPr>
+          <p:nvPr>
+            <p:ph type="title"/>
+          </p:nvPr>
+        </p:nvSpPr>
+        <p:spPr/>
+        <p:txBody>
+          <a:bodyPr/>
+          <a:lstStyle/>
+          <a:p>
+            <a:r>
+              <a:rPr lang="en-US" dirty="0"/>
+              <a:t>Initial Interpretability checklist</a:t>
+            </a:r>
+          </a:p>
+        </p:txBody>
+      </p:sp>
+      <p:sp>
+        <p:nvSpPr>
+          <p:cNvPr id="3" name="Text Placeholder 2">
+            <a:extLst>
+              <a:ext uri="{FF2B5EF4-FFF2-40B4-BE49-F238E27FC236}">
+                <a16:creationId xmlns:a16="http://schemas.microsoft.com/office/drawing/2014/main" id="{62ABCA60-53A8-4E40-86A0-501A82815452}"/>
+              </a:ext>
+            </a:extLst>
+          </p:cNvPr>
+          <p:cNvSpPr>
+            <a:spLocks noGrp="1"/>
+          </p:cNvSpPr>
+          <p:nvPr>
+            <p:ph type="body" idx="1"/>
+          </p:nvPr>
+        </p:nvSpPr>
+        <p:spPr/>
+        <p:txBody>
+          <a:bodyPr/>
+          <a:lstStyle/>
+          <a:p>
+            <a:r>
+              <a:rPr lang="en-US" dirty="0"/>
+              <a:t>For ”smaller” models, print it out</a:t>
+            </a:r>
+          </a:p>
+          <a:p>
+            <a:r>
+              <a:rPr lang="en-US" dirty="0"/>
+              <a:t>Feature </a:t>
+            </a:r>
+            <a:r>
+              <a:rPr lang="en-US" dirty="0" err="1"/>
+              <a:t>importances</a:t>
+            </a:r>
+            <a:r>
+              <a:rPr lang="en-US" dirty="0"/>
+              <a:t> (or “feature group” </a:t>
+            </a:r>
+            <a:r>
+              <a:rPr lang="en-US" dirty="0" err="1"/>
+              <a:t>importances</a:t>
+            </a:r>
+            <a:r>
+              <a:rPr lang="en-US" dirty="0"/>
+              <a:t>)</a:t>
+            </a:r>
+          </a:p>
+          <a:p>
+            <a:r>
+              <a:rPr lang="en-US" dirty="0"/>
+              <a:t>Cross-tabs on your predicted list</a:t>
+            </a:r>
+          </a:p>
+        </p:txBody>
+      </p:sp>
+    </p:spTree>
+    <p:extLst>
+      <p:ext uri="{BB962C8B-B14F-4D97-AF65-F5344CB8AC3E}">
+        <p14:creationId xmlns:p14="http://schemas.microsoft.com/office/powerpoint/2010/main" val="35683417"/>
+      </p:ext>
+    </p:extLst>
+  </p:cSld>
+  <p:clrMapOvr>
+    <a:masterClrMapping/>
+  </p:clrMapOvr>
+</p:sld>
+</file>
+
+<file path=ppt/slides/slide8.xml><?xml version="1.0" encoding="utf-8"?>
+<p:sld xmlns:a="http://schemas.openxmlformats.org/drawingml/2006/main" xmlns:r="http://schemas.openxmlformats.org/officeDocument/2006/relationships" xmlns:p="http://schemas.openxmlformats.org/presentationml/2006/main">
+  <p:cSld>
+    <p:spTree>
+      <p:nvGrpSpPr>
         <p:cNvPr id="1" name="Shape 59"/>
         <p:cNvGrpSpPr/>
         <p:nvPr/>
@@ -23229,7 +23556,7 @@
 </p:sld>
 </file>
 
-<file path=ppt/slides/slide8.xml><?xml version="1.0" encoding="utf-8"?>
+<file path=ppt/slides/slide9.xml><?xml version="1.0" encoding="utf-8"?>
 <p:sld xmlns:a="http://schemas.openxmlformats.org/drawingml/2006/main" xmlns:r="http://schemas.openxmlformats.org/officeDocument/2006/relationships" xmlns:p="http://schemas.openxmlformats.org/presentationml/2006/main">
   <p:cSld>
     <p:spTree>
@@ -23386,206 +23713,6 @@
               <a:t>Risk-SLIM – Ustun and Rudin. Learning Optimized Risk Scores from Large-Scale Datasets.KDD 2017</a:t>
             </a:r>
             <a:endParaRPr/>
-          </a:p>
-          <a:p>
-            <a:pPr marL="457200" lvl="0" indent="-228600" algn="l" rtl="0">
-              <a:lnSpc>
-                <a:spcPct val="115000"/>
-              </a:lnSpc>
-              <a:spcBef>
-                <a:spcPts val="0"/>
-              </a:spcBef>
-              <a:spcAft>
-                <a:spcPts val="0"/>
-              </a:spcAft>
-              <a:buClr>
-                <a:srgbClr val="434343"/>
-              </a:buClr>
-              <a:buSzPts val="2400"/>
-              <a:buNone/>
-            </a:pPr>
-            <a:endParaRPr/>
-          </a:p>
-          <a:p>
-            <a:pPr marL="457200" lvl="0" indent="-228600" algn="l" rtl="0">
-              <a:lnSpc>
-                <a:spcPct val="115000"/>
-              </a:lnSpc>
-              <a:spcBef>
-                <a:spcPts val="0"/>
-              </a:spcBef>
-              <a:spcAft>
-                <a:spcPts val="0"/>
-              </a:spcAft>
-              <a:buClr>
-                <a:srgbClr val="434343"/>
-              </a:buClr>
-              <a:buSzPts val="2400"/>
-              <a:buNone/>
-            </a:pPr>
-            <a:endParaRPr/>
-          </a:p>
-        </p:txBody>
-      </p:sp>
-    </p:spTree>
-  </p:cSld>
-  <p:clrMapOvr>
-    <a:masterClrMapping/>
-  </p:clrMapOvr>
-</p:sld>
-</file>
-
-<file path=ppt/slides/slide9.xml><?xml version="1.0" encoding="utf-8"?>
-<p:sld xmlns:a="http://schemas.openxmlformats.org/drawingml/2006/main" xmlns:r="http://schemas.openxmlformats.org/officeDocument/2006/relationships" xmlns:p="http://schemas.openxmlformats.org/presentationml/2006/main" show="0">
-  <p:cSld>
-    <p:spTree>
-      <p:nvGrpSpPr>
-        <p:cNvPr id="1" name="Shape 71"/>
-        <p:cNvGrpSpPr/>
-        <p:nvPr/>
-      </p:nvGrpSpPr>
-      <p:grpSpPr>
-        <a:xfrm>
-          <a:off x="0" y="0"/>
-          <a:ext cx="0" cy="0"/>
-          <a:chOff x="0" y="0"/>
-          <a:chExt cx="0" cy="0"/>
-        </a:xfrm>
-      </p:grpSpPr>
-      <p:sp>
-        <p:nvSpPr>
-          <p:cNvPr id="72" name="Google Shape;72;g7f665b14fa_0_1"/>
-          <p:cNvSpPr txBox="1">
-            <a:spLocks noGrp="1"/>
-          </p:cNvSpPr>
-          <p:nvPr>
-            <p:ph type="title"/>
-          </p:nvPr>
-        </p:nvSpPr>
-        <p:spPr>
-          <a:xfrm>
-            <a:off x="415600" y="86563"/>
-            <a:ext cx="11360700" cy="763500"/>
-          </a:xfrm>
-          <a:prstGeom prst="rect">
-            <a:avLst/>
-          </a:prstGeom>
-          <a:noFill/>
-          <a:ln>
-            <a:noFill/>
-          </a:ln>
-        </p:spPr>
-        <p:txBody>
-          <a:bodyPr spcFirstLastPara="1" wrap="square" lIns="121900" tIns="121900" rIns="121900" bIns="121900" anchor="t" anchorCtr="0">
-            <a:noAutofit/>
-          </a:bodyPr>
-          <a:lstStyle/>
-          <a:p>
-            <a:pPr marL="0" lvl="0" indent="0" algn="l" rtl="0">
-              <a:lnSpc>
-                <a:spcPct val="100000"/>
-              </a:lnSpc>
-              <a:spcBef>
-                <a:spcPts val="0"/>
-              </a:spcBef>
-              <a:spcAft>
-                <a:spcPts val="0"/>
-              </a:spcAft>
-              <a:buClr>
-                <a:srgbClr val="FFFFFF"/>
-              </a:buClr>
-              <a:buSzPts val="3700"/>
-              <a:buNone/>
-            </a:pPr>
-            <a:r>
-              <a:rPr lang="en-US"/>
-              <a:t>Generalized Additive Models</a:t>
-            </a:r>
-            <a:endParaRPr/>
-          </a:p>
-        </p:txBody>
-      </p:sp>
-      <p:sp>
-        <p:nvSpPr>
-          <p:cNvPr id="73" name="Google Shape;73;g7f665b14fa_0_1"/>
-          <p:cNvSpPr txBox="1">
-            <a:spLocks noGrp="1"/>
-          </p:cNvSpPr>
-          <p:nvPr>
-            <p:ph type="body" idx="1"/>
-          </p:nvPr>
-        </p:nvSpPr>
-        <p:spPr>
-          <a:xfrm>
-            <a:off x="415600" y="1536633"/>
-            <a:ext cx="11360700" cy="4555200"/>
-          </a:xfrm>
-          <a:prstGeom prst="rect">
-            <a:avLst/>
-          </a:prstGeom>
-          <a:noFill/>
-          <a:ln>
-            <a:noFill/>
-          </a:ln>
-        </p:spPr>
-        <p:txBody>
-          <a:bodyPr spcFirstLastPara="1" wrap="square" lIns="121900" tIns="121900" rIns="121900" bIns="121900" anchor="t" anchorCtr="0">
-            <a:noAutofit/>
-          </a:bodyPr>
-          <a:lstStyle/>
-          <a:p>
-            <a:pPr marL="457200" lvl="0" indent="-419100" algn="l" rtl="0">
-              <a:spcBef>
-                <a:spcPts val="0"/>
-              </a:spcBef>
-              <a:spcAft>
-                <a:spcPts val="0"/>
-              </a:spcAft>
-              <a:buSzPts val="3000"/>
-              <a:buChar char="●"/>
-            </a:pPr>
-            <a:r>
-              <a:rPr lang="en-US" sz="3000"/>
-              <a:t>Motivating Example: Pneumonia Prognosis</a:t>
-            </a:r>
-            <a:br>
-              <a:rPr lang="en-US" sz="3000"/>
-            </a:br>
-            <a:endParaRPr sz="3000"/>
-          </a:p>
-          <a:p>
-            <a:pPr marL="457200" lvl="0" indent="-419100" algn="l" rtl="0">
-              <a:spcBef>
-                <a:spcPts val="0"/>
-              </a:spcBef>
-              <a:spcAft>
-                <a:spcPts val="0"/>
-              </a:spcAft>
-              <a:buSzPts val="3000"/>
-              <a:buChar char="●"/>
-            </a:pPr>
-            <a:r>
-              <a:rPr lang="en-US" sz="3000"/>
-              <a:t>Proposed Method</a:t>
-            </a:r>
-            <a:endParaRPr sz="3000"/>
-          </a:p>
-          <a:p>
-            <a:pPr marL="914400" lvl="1" indent="-419100" algn="l" rtl="0">
-              <a:spcBef>
-                <a:spcPts val="2100"/>
-              </a:spcBef>
-              <a:spcAft>
-                <a:spcPts val="0"/>
-              </a:spcAft>
-              <a:buSzPts val="3000"/>
-              <a:buChar char="○"/>
-            </a:pPr>
-            <a:r>
-              <a:rPr lang="en-US" sz="3000"/>
-              <a:t>What makes these models “interpretable”?</a:t>
-            </a:r>
-            <a:endParaRPr sz="3000"/>
           </a:p>
           <a:p>
             <a:pPr marL="457200" lvl="0" indent="-228600" algn="l" rtl="0">
